--- a/Project info.pptx
+++ b/Project info.pptx
@@ -12897,7 +12897,7 @@
                   </a:schemeClr>
                 </a:solidFill>
               </a:rPr>
-              <a:t> on ~4500 </a:t>
+              <a:t> on ~5000 </a:t>
             </a:r>
             <a:r>
               <a:rPr lang="nl-NL" dirty="0" err="1">
@@ -12986,6 +12986,28 @@
                 </a:solidFill>
               </a:rPr>
               <a:t> </a:t>
+            </a:r>
+            <a:r>
+              <a:rPr lang="nl-NL" dirty="0" err="1">
+                <a:solidFill>
+                  <a:schemeClr val="accent5">
+                    <a:lumMod val="20000"/>
+                    <a:lumOff val="80000"/>
+                  </a:schemeClr>
+                </a:solidFill>
+              </a:rPr>
+              <a:t>each</a:t>
+            </a:r>
+            <a:r>
+              <a:rPr lang="nl-NL" dirty="0">
+                <a:solidFill>
+                  <a:schemeClr val="accent5">
+                    <a:lumMod val="20000"/>
+                    <a:lumOff val="80000"/>
+                  </a:schemeClr>
+                </a:solidFill>
+              </a:rPr>
+              <a:t> of  </a:t>
             </a:r>
             <a:r>
               <a:rPr lang="nl-NL" dirty="0" err="1">
@@ -13492,8 +13514,8 @@
         </p:blipFill>
         <p:spPr>
           <a:xfrm>
-            <a:off x="6397372" y="1305612"/>
-            <a:ext cx="2521002" cy="3388226"/>
+            <a:off x="6530285" y="1508288"/>
+            <a:ext cx="2433565" cy="3270711"/>
           </a:xfrm>
           <a:prstGeom prst="rect">
             <a:avLst/>
@@ -14180,7 +14202,7 @@
                   </a:schemeClr>
                 </a:solidFill>
               </a:rPr>
-              <a:t>SD: 13 228 papers </a:t>
+              <a:t>SD: 14 232 papers </a:t>
             </a:r>
             <a:r>
               <a:rPr lang="nl-NL" dirty="0" err="1">
@@ -14235,7 +14257,7 @@
                   </a:schemeClr>
                 </a:solidFill>
               </a:rPr>
-              <a:t>61 278 </a:t>
+              <a:t>58 595, test recall: 0.97 &amp; precision: 0.39</a:t>
             </a:r>
           </a:p>
           <a:p>
@@ -14248,7 +14270,7 @@
                   </a:schemeClr>
                 </a:solidFill>
               </a:rPr>
-              <a:t>CNS: 11 017 papers selected from 53 439 </a:t>
+              <a:t>CNS: 11 017 papers selected from 52 190, test recall: 0.96 &amp; precision: 0.56</a:t>
             </a:r>
           </a:p>
           <a:p>
@@ -14317,7 +14339,7 @@
                   </a:schemeClr>
                 </a:solidFill>
               </a:rPr>
-              <a:t>” 6 638 papers per </a:t>
+              <a:t>” ~6 500 papers per </a:t>
             </a:r>
             <a:r>
               <a:rPr lang="nl-NL" dirty="0" err="1">
@@ -14339,7 +14361,29 @@
                   </a:schemeClr>
                 </a:solidFill>
               </a:rPr>
-              <a:t> in a team of 10</a:t>
+              <a:t> in a team of 10, </a:t>
+            </a:r>
+            <a:r>
+              <a:rPr lang="nl-NL" dirty="0" err="1">
+                <a:solidFill>
+                  <a:schemeClr val="accent5">
+                    <a:lumMod val="20000"/>
+                    <a:lumOff val="80000"/>
+                  </a:schemeClr>
+                </a:solidFill>
+              </a:rPr>
+              <a:t>instead</a:t>
+            </a:r>
+            <a:r>
+              <a:rPr lang="nl-NL" dirty="0">
+                <a:solidFill>
+                  <a:schemeClr val="accent5">
+                    <a:lumMod val="20000"/>
+                    <a:lumOff val="80000"/>
+                  </a:schemeClr>
+                </a:solidFill>
+              </a:rPr>
+              <a:t> of ~25 500</a:t>
             </a:r>
           </a:p>
           <a:p>
@@ -14585,6 +14629,183 @@
           <a:lstStyle/>
           <a:p>
             <a:r>
+              <a:rPr lang="nl-NL" dirty="0">
+                <a:solidFill>
+                  <a:schemeClr val="accent5">
+                    <a:lumMod val="20000"/>
+                    <a:lumOff val="80000"/>
+                  </a:schemeClr>
+                </a:solidFill>
+              </a:rPr>
+              <a:t>BERT is </a:t>
+            </a:r>
+            <a:r>
+              <a:rPr lang="nl-NL" dirty="0" err="1">
+                <a:solidFill>
+                  <a:schemeClr val="accent5">
+                    <a:lumMod val="20000"/>
+                    <a:lumOff val="80000"/>
+                  </a:schemeClr>
+                </a:solidFill>
+              </a:rPr>
+              <a:t>very</a:t>
+            </a:r>
+            <a:r>
+              <a:rPr lang="nl-NL" dirty="0">
+                <a:solidFill>
+                  <a:schemeClr val="accent5">
+                    <a:lumMod val="20000"/>
+                    <a:lumOff val="80000"/>
+                  </a:schemeClr>
+                </a:solidFill>
+              </a:rPr>
+              <a:t> easy </a:t>
+            </a:r>
+            <a:r>
+              <a:rPr lang="nl-NL" dirty="0" err="1">
+                <a:solidFill>
+                  <a:schemeClr val="accent5">
+                    <a:lumMod val="20000"/>
+                    <a:lumOff val="80000"/>
+                  </a:schemeClr>
+                </a:solidFill>
+              </a:rPr>
+              <a:t>to</a:t>
+            </a:r>
+            <a:r>
+              <a:rPr lang="nl-NL" dirty="0">
+                <a:solidFill>
+                  <a:schemeClr val="accent5">
+                    <a:lumMod val="20000"/>
+                    <a:lumOff val="80000"/>
+                  </a:schemeClr>
+                </a:solidFill>
+              </a:rPr>
+              <a:t> train and is </a:t>
+            </a:r>
+            <a:r>
+              <a:rPr lang="nl-NL" dirty="0" err="1">
+                <a:solidFill>
+                  <a:schemeClr val="accent5">
+                    <a:lumMod val="20000"/>
+                    <a:lumOff val="80000"/>
+                  </a:schemeClr>
+                </a:solidFill>
+              </a:rPr>
+              <a:t>valuable</a:t>
+            </a:r>
+            <a:r>
+              <a:rPr lang="nl-NL" dirty="0">
+                <a:solidFill>
+                  <a:schemeClr val="accent5">
+                    <a:lumMod val="20000"/>
+                    <a:lumOff val="80000"/>
+                  </a:schemeClr>
+                </a:solidFill>
+              </a:rPr>
+              <a:t> </a:t>
+            </a:r>
+            <a:r>
+              <a:rPr lang="nl-NL" dirty="0" err="1">
+                <a:solidFill>
+                  <a:schemeClr val="accent5">
+                    <a:lumMod val="20000"/>
+                    <a:lumOff val="80000"/>
+                  </a:schemeClr>
+                </a:solidFill>
+              </a:rPr>
+              <a:t>for</a:t>
+            </a:r>
+            <a:r>
+              <a:rPr lang="nl-NL" dirty="0">
+                <a:solidFill>
+                  <a:schemeClr val="accent5">
+                    <a:lumMod val="20000"/>
+                    <a:lumOff val="80000"/>
+                  </a:schemeClr>
+                </a:solidFill>
+              </a:rPr>
+              <a:t> </a:t>
+            </a:r>
+            <a:r>
+              <a:rPr lang="nl-NL" dirty="0" err="1">
+                <a:solidFill>
+                  <a:schemeClr val="accent5">
+                    <a:lumMod val="20000"/>
+                    <a:lumOff val="80000"/>
+                  </a:schemeClr>
+                </a:solidFill>
+              </a:rPr>
+              <a:t>use</a:t>
+            </a:r>
+            <a:r>
+              <a:rPr lang="nl-NL" dirty="0">
+                <a:solidFill>
+                  <a:schemeClr val="accent5">
+                    <a:lumMod val="20000"/>
+                    <a:lumOff val="80000"/>
+                  </a:schemeClr>
+                </a:solidFill>
+              </a:rPr>
+              <a:t> in </a:t>
+            </a:r>
+            <a:r>
+              <a:rPr lang="nl-NL" dirty="0" err="1">
+                <a:solidFill>
+                  <a:schemeClr val="accent5">
+                    <a:lumMod val="20000"/>
+                    <a:lumOff val="80000"/>
+                  </a:schemeClr>
+                </a:solidFill>
+              </a:rPr>
+              <a:t>very</a:t>
+            </a:r>
+            <a:r>
+              <a:rPr lang="nl-NL" dirty="0">
+                <a:solidFill>
+                  <a:schemeClr val="accent5">
+                    <a:lumMod val="20000"/>
+                    <a:lumOff val="80000"/>
+                  </a:schemeClr>
+                </a:solidFill>
+              </a:rPr>
+              <a:t> large </a:t>
+            </a:r>
+            <a:r>
+              <a:rPr lang="nl-NL" dirty="0" err="1">
+                <a:solidFill>
+                  <a:schemeClr val="accent5">
+                    <a:lumMod val="20000"/>
+                    <a:lumOff val="80000"/>
+                  </a:schemeClr>
+                </a:solidFill>
+              </a:rPr>
+              <a:t>literature</a:t>
+            </a:r>
+            <a:r>
+              <a:rPr lang="nl-NL" dirty="0">
+                <a:solidFill>
+                  <a:schemeClr val="accent5">
+                    <a:lumMod val="20000"/>
+                    <a:lumOff val="80000"/>
+                  </a:schemeClr>
+                </a:solidFill>
+              </a:rPr>
+              <a:t> reviews.</a:t>
+            </a:r>
+          </a:p>
+          <a:p>
+            <a:endParaRPr lang="nl-NL" dirty="0">
+              <a:solidFill>
+                <a:schemeClr val="accent5">
+                  <a:lumMod val="20000"/>
+                  <a:lumOff val="80000"/>
+                </a:schemeClr>
+              </a:solidFill>
+            </a:endParaRPr>
+          </a:p>
+          <a:p>
+            <a:r>
               <a:rPr lang="nl-NL" dirty="0" err="1">
                 <a:solidFill>
                   <a:schemeClr val="accent5">
@@ -14768,36 +14989,6 @@
           </a:p>
         </p:txBody>
       </p:sp>
-      <p:pic>
-        <p:nvPicPr>
-          <p:cNvPr id="5" name="Afbeelding 4" descr="Afbeelding met tekst, Menselijk gezicht, schermopname, persoon&#10;&#10;Automatisch gegenereerde beschrijving">
-            <a:extLst>
-              <a:ext uri="{FF2B5EF4-FFF2-40B4-BE49-F238E27FC236}">
-                <a16:creationId xmlns:a16="http://schemas.microsoft.com/office/drawing/2014/main" id="{D14C8715-3E5E-4411-D39C-3F5694EAC8E0}"/>
-              </a:ext>
-            </a:extLst>
-          </p:cNvPr>
-          <p:cNvPicPr>
-            <a:picLocks noChangeAspect="1"/>
-          </p:cNvPicPr>
-          <p:nvPr/>
-        </p:nvPicPr>
-        <p:blipFill>
-          <a:blip r:embed="rId2"/>
-          <a:stretch>
-            <a:fillRect/>
-          </a:stretch>
-        </p:blipFill>
-        <p:spPr>
-          <a:xfrm>
-            <a:off x="5246016" y="2606289"/>
-            <a:ext cx="3770722" cy="1914820"/>
-          </a:xfrm>
-          <a:prstGeom prst="rect">
-            <a:avLst/>
-          </a:prstGeom>
-        </p:spPr>
-      </p:pic>
     </p:spTree>
     <p:extLst>
       <p:ext uri="{BB962C8B-B14F-4D97-AF65-F5344CB8AC3E}">
@@ -15399,7 +15590,7 @@
                   </a:schemeClr>
                 </a:solidFill>
               </a:rPr>
-              <a:t>61 278 papers found for SD</a:t>
+              <a:t>58 595 papers found for SD</a:t>
             </a:r>
           </a:p>
           <a:p>
@@ -15412,7 +15603,7 @@
                   </a:schemeClr>
                 </a:solidFill>
               </a:rPr>
-              <a:t>53 439 papers found for CNS</a:t>
+              <a:t>52 190 papers found for CNS</a:t>
             </a:r>
           </a:p>
           <a:p>
@@ -18572,7 +18763,7 @@
                   </a:schemeClr>
                 </a:solidFill>
               </a:rPr>
-              <a:t>containing</a:t>
+              <a:t>describing</a:t>
             </a:r>
             <a:r>
               <a:rPr lang="nl-NL" dirty="0">
@@ -19607,7 +19798,7 @@
                   </a:schemeClr>
                 </a:solidFill>
               </a:rPr>
-              <a:t>containing</a:t>
+              <a:t>describing</a:t>
             </a:r>
             <a:r>
               <a:rPr lang="nl-NL" dirty="0">
@@ -20870,7 +21061,7 @@
                   </a:schemeClr>
                 </a:solidFill>
               </a:rPr>
-              <a:t> on ~4500 </a:t>
+              <a:t> on ~5000 </a:t>
             </a:r>
             <a:r>
               <a:rPr lang="nl-NL" dirty="0" err="1">
